--- a/docs/outputs.pptx
+++ b/docs/outputs.pptx
@@ -3120,7 +3120,7 @@
             </a:pPr>
             <a:r>
               <a:rPr/>
-              <a:t>1</a:t>
+              <a:t>Outputs</a:t>
             </a:r>
           </a:p>
         </p:txBody>
@@ -3177,6 +3177,31 @@
       </p:grpSpPr>
       <p:sp>
         <p:nvSpPr>
+          <p:cNvPr id="2" name="Title 1"/>
+          <p:cNvSpPr>
+            <a:spLocks noGrp="1"/>
+          </p:cNvSpPr>
+          <p:nvPr>
+            <p:ph type="title"/>
+          </p:nvPr>
+        </p:nvSpPr>
+        <p:spPr/>
+        <p:txBody>
+          <a:bodyPr/>
+          <a:lstStyle/>
+          <a:p>
+            <a:pPr lvl="0" indent="0" marL="0">
+              <a:buNone/>
+            </a:pPr>
+            <a:r>
+              <a:rPr/>
+              <a:t>Purpose</a:t>
+            </a:r>
+          </a:p>
+        </p:txBody>
+      </p:sp>
+      <p:sp>
+        <p:nvSpPr>
           <p:cNvPr id="3" name="Content Placeholder 2"/>
           <p:cNvSpPr>
             <a:spLocks noGrp="1"/>
@@ -3195,7 +3220,7 @@
             </a:pPr>
             <a:r>
               <a:rPr/>
-              <a:t>Here are some outputs!</a:t>
+              <a:t>The purpose of this page is to provide users with different types of API Control content outputs, depending on their needs.</a:t>
             </a:r>
           </a:p>
         </p:txBody>
@@ -3232,12 +3257,7 @@
             <p:ph type="title"/>
           </p:nvPr>
         </p:nvSpPr>
-        <p:spPr>
-          <a:xfrm>
-            <a:off x="722313" y="3305176"/>
-            <a:ext cx="7772400" cy="1021556"/>
-          </a:xfrm>
-        </p:spPr>
+        <p:spPr/>
         <p:txBody>
           <a:bodyPr/>
           <a:lstStyle/>
@@ -3247,7 +3267,7 @@
             </a:pPr>
             <a:r>
               <a:rPr/>
-              <a:t>Outputs</a:t>
+              <a:t>Types of users</a:t>
             </a:r>
           </a:p>
         </p:txBody>
@@ -3315,11 +3335,56 @@
           <a:lstStyle/>
           <a:p>
             <a:pPr lvl="0" indent="0" marL="0">
+              <a:spcBef>
+                <a:spcPts val="3000"/>
+              </a:spcBef>
               <a:buNone/>
             </a:pPr>
             <a:r>
+              <a:rPr b="1"/>
+              <a:t>Audience</a:t>
+            </a:r>
+          </a:p>
+          <a:p>
+            <a:pPr lvl="0"/>
+            <a:r>
               <a:rPr/>
-              <a:t>Marketing information</a:t>
+              <a:t>Pre-Sales</a:t>
+            </a:r>
+          </a:p>
+          <a:p>
+            <a:pPr lvl="0"/>
+            <a:r>
+              <a:rPr/>
+              <a:t>Customer Enablement</a:t>
+            </a:r>
+          </a:p>
+          <a:p>
+            <a:pPr lvl="0"/>
+            <a:r>
+              <a:rPr/>
+              <a:t>Account Managers</a:t>
+            </a:r>
+          </a:p>
+          <a:p>
+            <a:pPr lvl="0" indent="0" marL="0">
+              <a:spcBef>
+                <a:spcPts val="3000"/>
+              </a:spcBef>
+              <a:buNone/>
+            </a:pPr>
+            <a:r>
+              <a:rPr b="1"/>
+              <a:t>Format</a:t>
+            </a:r>
+          </a:p>
+          <a:p>
+            <a:pPr lvl="0" indent="0" marL="0">
+              <a:buNone/>
+            </a:pPr>
+            <a:r>
+              <a:rPr/>
+              <a:t>Powerpoint PDF</a:t>
             </a:r>
           </a:p>
         </p:txBody>
@@ -3387,11 +3452,49 @@
           <a:lstStyle/>
           <a:p>
             <a:pPr lvl="0" indent="0" marL="0">
+              <a:spcBef>
+                <a:spcPts val="3000"/>
+              </a:spcBef>
               <a:buNone/>
             </a:pPr>
             <a:r>
+              <a:rPr b="1"/>
+              <a:t>Audience</a:t>
+            </a:r>
+          </a:p>
+          <a:p>
+            <a:pPr lvl="0"/>
+            <a:r>
               <a:rPr/>
-              <a:t>audit page</a:t>
+              <a:t>Consultants</a:t>
+            </a:r>
+          </a:p>
+          <a:p>
+            <a:pPr lvl="0"/>
+            <a:r>
+              <a:rPr/>
+              <a:t>Audit team</a:t>
+            </a:r>
+          </a:p>
+          <a:p>
+            <a:pPr lvl="0" indent="0" marL="0">
+              <a:spcBef>
+                <a:spcPts val="3000"/>
+              </a:spcBef>
+              <a:buNone/>
+            </a:pPr>
+            <a:r>
+              <a:rPr b="1"/>
+              <a:t>Format</a:t>
+            </a:r>
+          </a:p>
+          <a:p>
+            <a:pPr lvl="0" indent="0" marL="0">
+              <a:buNone/>
+            </a:pPr>
+            <a:r>
+              <a:rPr/>
+              <a:t>Google Doc PDF</a:t>
             </a:r>
           </a:p>
         </p:txBody>
@@ -3439,6 +3542,62 @@
             <a:r>
               <a:rPr/>
               <a:t>Academy</a:t>
+            </a:r>
+          </a:p>
+        </p:txBody>
+      </p:sp>
+      <p:sp>
+        <p:nvSpPr>
+          <p:cNvPr id="3" name="Content Placeholder 2"/>
+          <p:cNvSpPr>
+            <a:spLocks noGrp="1"/>
+          </p:cNvSpPr>
+          <p:nvPr>
+            <p:ph idx="1"/>
+          </p:nvPr>
+        </p:nvSpPr>
+        <p:spPr/>
+        <p:txBody>
+          <a:bodyPr/>
+          <a:lstStyle/>
+          <a:p>
+            <a:pPr lvl="0" indent="0" marL="0">
+              <a:spcBef>
+                <a:spcPts val="3000"/>
+              </a:spcBef>
+              <a:buNone/>
+            </a:pPr>
+            <a:r>
+              <a:rPr b="1"/>
+              <a:t>Audience</a:t>
+            </a:r>
+          </a:p>
+          <a:p>
+            <a:pPr lvl="0"/>
+            <a:r>
+              <a:rPr/>
+              <a:t>Technical PD</a:t>
+            </a:r>
+          </a:p>
+          <a:p>
+            <a:pPr lvl="0" indent="0" marL="0">
+              <a:spcBef>
+                <a:spcPts val="3000"/>
+              </a:spcBef>
+              <a:buNone/>
+            </a:pPr>
+            <a:r>
+              <a:rPr b="1"/>
+              <a:t>Format</a:t>
+            </a:r>
+          </a:p>
+          <a:p>
+            <a:pPr lvl="0" indent="0" marL="0">
+              <a:buNone/>
+            </a:pPr>
+            <a:r>
+              <a:rPr/>
+              <a:t>Google Doc Google Slides</a:t>
             </a:r>
           </a:p>
         </p:txBody>
